--- a/Course_Content/Class-3/Py-Workshop-3-.pptx
+++ b/Course_Content/Class-3/Py-Workshop-3-.pptx
@@ -5,7 +5,7 @@
     <p:sldMasterId id="2147483684" r:id="rId1"/>
   </p:sldMasterIdLst>
   <p:notesMasterIdLst>
-    <p:notesMasterId r:id="rId15"/>
+    <p:notesMasterId r:id="rId13"/>
   </p:notesMasterIdLst>
   <p:sldIdLst>
     <p:sldId id="256" r:id="rId2"/>
@@ -16,11 +16,9 @@
     <p:sldId id="264" r:id="rId7"/>
     <p:sldId id="262" r:id="rId8"/>
     <p:sldId id="263" r:id="rId9"/>
-    <p:sldId id="269" r:id="rId10"/>
-    <p:sldId id="260" r:id="rId11"/>
-    <p:sldId id="261" r:id="rId12"/>
-    <p:sldId id="267" r:id="rId13"/>
-    <p:sldId id="268" r:id="rId14"/>
+    <p:sldId id="261" r:id="rId10"/>
+    <p:sldId id="267" r:id="rId11"/>
+    <p:sldId id="268" r:id="rId12"/>
   </p:sldIdLst>
   <p:sldSz cx="9144000" cy="6858000" type="letter"/>
   <p:notesSz cx="6858000" cy="9144000"/>
@@ -209,7 +207,7 @@
           <a:p>
             <a:fld id="{EF809499-2DF9-44F9-B72F-F90B6DEBF4BD}" type="datetimeFigureOut">
               <a:rPr lang="en-US" smtClean="0"/>
-              <a:t>8/4/2019</a:t>
+              <a:t>8/6/2019</a:t>
             </a:fld>
             <a:endParaRPr lang="en-US"/>
           </a:p>
@@ -991,7 +989,7 @@
           <a:p>
             <a:fld id="{65355C63-644B-4C5E-97AC-1B3111ABD8FB}" type="slidenum">
               <a:rPr lang="en-US" smtClean="0"/>
-              <a:t>11</a:t>
+              <a:t>9</a:t>
             </a:fld>
             <a:endParaRPr lang="en-US"/>
           </a:p>
@@ -1107,7 +1105,7 @@
           <a:p>
             <a:fld id="{65355C63-644B-4C5E-97AC-1B3111ABD8FB}" type="slidenum">
               <a:rPr lang="en-US" smtClean="0"/>
-              <a:t>12</a:t>
+              <a:t>10</a:t>
             </a:fld>
             <a:endParaRPr lang="en-US"/>
           </a:p>
@@ -1257,7 +1255,7 @@
           <a:p>
             <a:fld id="{CADC3B33-C7A6-400C-A955-5B352DDD6EAE}" type="datetimeFigureOut">
               <a:rPr lang="en-US" smtClean="0"/>
-              <a:t>8/4/2019</a:t>
+              <a:t>8/6/2019</a:t>
             </a:fld>
             <a:endParaRPr lang="en-US"/>
           </a:p>
@@ -1427,7 +1425,7 @@
           <a:p>
             <a:fld id="{CADC3B33-C7A6-400C-A955-5B352DDD6EAE}" type="datetimeFigureOut">
               <a:rPr lang="en-US" smtClean="0"/>
-              <a:t>8/4/2019</a:t>
+              <a:t>8/6/2019</a:t>
             </a:fld>
             <a:endParaRPr lang="en-US"/>
           </a:p>
@@ -1607,7 +1605,7 @@
           <a:p>
             <a:fld id="{CADC3B33-C7A6-400C-A955-5B352DDD6EAE}" type="datetimeFigureOut">
               <a:rPr lang="en-US" smtClean="0"/>
-              <a:t>8/4/2019</a:t>
+              <a:t>8/6/2019</a:t>
             </a:fld>
             <a:endParaRPr lang="en-US"/>
           </a:p>
@@ -1777,7 +1775,7 @@
           <a:p>
             <a:fld id="{CADC3B33-C7A6-400C-A955-5B352DDD6EAE}" type="datetimeFigureOut">
               <a:rPr lang="en-US" smtClean="0"/>
-              <a:t>8/4/2019</a:t>
+              <a:t>8/6/2019</a:t>
             </a:fld>
             <a:endParaRPr lang="en-US"/>
           </a:p>
@@ -2021,7 +2019,7 @@
           <a:p>
             <a:fld id="{CADC3B33-C7A6-400C-A955-5B352DDD6EAE}" type="datetimeFigureOut">
               <a:rPr lang="en-US" smtClean="0"/>
-              <a:t>8/4/2019</a:t>
+              <a:t>8/6/2019</a:t>
             </a:fld>
             <a:endParaRPr lang="en-US"/>
           </a:p>
@@ -2253,7 +2251,7 @@
           <a:p>
             <a:fld id="{CADC3B33-C7A6-400C-A955-5B352DDD6EAE}" type="datetimeFigureOut">
               <a:rPr lang="en-US" smtClean="0"/>
-              <a:t>8/4/2019</a:t>
+              <a:t>8/6/2019</a:t>
             </a:fld>
             <a:endParaRPr lang="en-US"/>
           </a:p>
@@ -2620,7 +2618,7 @@
           <a:p>
             <a:fld id="{CADC3B33-C7A6-400C-A955-5B352DDD6EAE}" type="datetimeFigureOut">
               <a:rPr lang="en-US" smtClean="0"/>
-              <a:t>8/4/2019</a:t>
+              <a:t>8/6/2019</a:t>
             </a:fld>
             <a:endParaRPr lang="en-US"/>
           </a:p>
@@ -2738,7 +2736,7 @@
           <a:p>
             <a:fld id="{CADC3B33-C7A6-400C-A955-5B352DDD6EAE}" type="datetimeFigureOut">
               <a:rPr lang="en-US" smtClean="0"/>
-              <a:t>8/4/2019</a:t>
+              <a:t>8/6/2019</a:t>
             </a:fld>
             <a:endParaRPr lang="en-US"/>
           </a:p>
@@ -2833,7 +2831,7 @@
           <a:p>
             <a:fld id="{CADC3B33-C7A6-400C-A955-5B352DDD6EAE}" type="datetimeFigureOut">
               <a:rPr lang="en-US" smtClean="0"/>
-              <a:t>8/4/2019</a:t>
+              <a:t>8/6/2019</a:t>
             </a:fld>
             <a:endParaRPr lang="en-US"/>
           </a:p>
@@ -3110,7 +3108,7 @@
           <a:p>
             <a:fld id="{CADC3B33-C7A6-400C-A955-5B352DDD6EAE}" type="datetimeFigureOut">
               <a:rPr lang="en-US" smtClean="0"/>
-              <a:t>8/4/2019</a:t>
+              <a:t>8/6/2019</a:t>
             </a:fld>
             <a:endParaRPr lang="en-US"/>
           </a:p>
@@ -3367,7 +3365,7 @@
           <a:p>
             <a:fld id="{CADC3B33-C7A6-400C-A955-5B352DDD6EAE}" type="datetimeFigureOut">
               <a:rPr lang="en-US" smtClean="0"/>
-              <a:t>8/4/2019</a:t>
+              <a:t>8/6/2019</a:t>
             </a:fld>
             <a:endParaRPr lang="en-US"/>
           </a:p>
@@ -3580,7 +3578,7 @@
           <a:p>
             <a:fld id="{CADC3B33-C7A6-400C-A955-5B352DDD6EAE}" type="datetimeFigureOut">
               <a:rPr lang="en-US" smtClean="0"/>
-              <a:t>8/4/2019</a:t>
+              <a:t>8/6/2019</a:t>
             </a:fld>
             <a:endParaRPr lang="en-US"/>
           </a:p>
@@ -4292,480 +4290,6 @@
           <p:cNvPr id="2" name="Straight Connector 1">
             <a:extLst>
               <a:ext uri="{FF2B5EF4-FFF2-40B4-BE49-F238E27FC236}">
-                <a16:creationId xmlns:a16="http://schemas.microsoft.com/office/drawing/2014/main" id="{66CDAB54-6123-45D6-A56F-65D87ACA7222}"/>
-              </a:ext>
-            </a:extLst>
-          </p:cNvPr>
-          <p:cNvCxnSpPr/>
-          <p:nvPr/>
-        </p:nvCxnSpPr>
-        <p:spPr>
-          <a:xfrm>
-            <a:off x="378075" y="6400800"/>
-            <a:ext cx="8343900" cy="0"/>
-          </a:xfrm>
-          <a:prstGeom prst="line">
-            <a:avLst/>
-          </a:prstGeom>
-          <a:ln w="57150"/>
-        </p:spPr>
-        <p:style>
-          <a:lnRef idx="3">
-            <a:schemeClr val="accent1"/>
-          </a:lnRef>
-          <a:fillRef idx="0">
-            <a:schemeClr val="accent1"/>
-          </a:fillRef>
-          <a:effectRef idx="2">
-            <a:schemeClr val="accent1"/>
-          </a:effectRef>
-          <a:fontRef idx="minor">
-            <a:schemeClr val="tx1"/>
-          </a:fontRef>
-        </p:style>
-      </p:cxnSp>
-      <p:sp>
-        <p:nvSpPr>
-          <p:cNvPr id="3" name="TextBox 2">
-            <a:extLst>
-              <a:ext uri="{FF2B5EF4-FFF2-40B4-BE49-F238E27FC236}">
-                <a16:creationId xmlns:a16="http://schemas.microsoft.com/office/drawing/2014/main" id="{3BDC8CFB-2F93-4697-806B-944736E5D31A}"/>
-              </a:ext>
-            </a:extLst>
-          </p:cNvPr>
-          <p:cNvSpPr txBox="1"/>
-          <p:nvPr/>
-        </p:nvSpPr>
-        <p:spPr>
-          <a:xfrm>
-            <a:off x="287461" y="6468707"/>
-            <a:ext cx="2677297" cy="326243"/>
-          </a:xfrm>
-          <a:prstGeom prst="rect">
-            <a:avLst/>
-          </a:prstGeom>
-          <a:noFill/>
-        </p:spPr>
-        <p:txBody>
-          <a:bodyPr wrap="square" rtlCol="0">
-            <a:spAutoFit/>
-          </a:bodyPr>
-          <a:lstStyle/>
-          <a:p>
-            <a:r>
-              <a:rPr lang="en-US" sz="1520" dirty="0">
-                <a:latin typeface="Baskerville Old Face" panose="02020602080505020303" pitchFamily="18" charset="0"/>
-              </a:rPr>
-              <a:t>Introduction to Python</a:t>
-            </a:r>
-          </a:p>
-        </p:txBody>
-      </p:sp>
-      <p:sp>
-        <p:nvSpPr>
-          <p:cNvPr id="5" name="Rectangle 4">
-            <a:extLst>
-              <a:ext uri="{FF2B5EF4-FFF2-40B4-BE49-F238E27FC236}">
-                <a16:creationId xmlns:a16="http://schemas.microsoft.com/office/drawing/2014/main" id="{A733A891-B7ED-47D9-A810-FD12B543D2E0}"/>
-              </a:ext>
-            </a:extLst>
-          </p:cNvPr>
-          <p:cNvSpPr/>
-          <p:nvPr/>
-        </p:nvSpPr>
-        <p:spPr>
-          <a:xfrm>
-            <a:off x="3918466" y="593567"/>
-            <a:ext cx="968535" cy="584775"/>
-          </a:xfrm>
-          <a:prstGeom prst="rect">
-            <a:avLst/>
-          </a:prstGeom>
-          <a:noFill/>
-        </p:spPr>
-        <p:txBody>
-          <a:bodyPr wrap="none" lIns="91440" tIns="45720" rIns="91440" bIns="45720">
-            <a:spAutoFit/>
-          </a:bodyPr>
-          <a:lstStyle/>
-          <a:p>
-            <a:pPr algn="ctr"/>
-            <a:r>
-              <a:rPr lang="en-US" sz="3200" dirty="0">
-                <a:ln w="0"/>
-                <a:effectLst>
-                  <a:outerShdw blurRad="38100" dist="19050" dir="2700000" algn="tl" rotWithShape="0">
-                    <a:schemeClr val="dk1">
-                      <a:alpha val="40000"/>
-                    </a:schemeClr>
-                  </a:outerShdw>
-                </a:effectLst>
-                <a:latin typeface="Trebuchet MS" panose="020B0603020202020204" pitchFamily="34" charset="0"/>
-              </a:rPr>
-              <a:t>OOP</a:t>
-            </a:r>
-          </a:p>
-        </p:txBody>
-      </p:sp>
-      <p:sp>
-        <p:nvSpPr>
-          <p:cNvPr id="6" name="Content Placeholder 2">
-            <a:extLst>
-              <a:ext uri="{FF2B5EF4-FFF2-40B4-BE49-F238E27FC236}">
-                <a16:creationId xmlns:a16="http://schemas.microsoft.com/office/drawing/2014/main" id="{EF4799EE-83C7-4183-BFC3-CD8FC3D27D29}"/>
-              </a:ext>
-            </a:extLst>
-          </p:cNvPr>
-          <p:cNvSpPr txBox="1">
-            <a:spLocks/>
-          </p:cNvSpPr>
-          <p:nvPr/>
-        </p:nvSpPr>
-        <p:spPr>
-          <a:xfrm>
-            <a:off x="781057" y="1508471"/>
-            <a:ext cx="7886700" cy="4351339"/>
-          </a:xfrm>
-          <a:prstGeom prst="rect">
-            <a:avLst/>
-          </a:prstGeom>
-        </p:spPr>
-        <p:txBody>
-          <a:bodyPr vert="horz" lIns="91440" tIns="45720" rIns="91440" bIns="45720" rtlCol="0">
-            <a:normAutofit/>
-          </a:bodyPr>
-          <a:lstStyle>
-            <a:lvl1pPr marL="0" indent="0" algn="ctr" defTabSz="914400" rtl="0" eaLnBrk="1" latinLnBrk="0" hangingPunct="1">
-              <a:lnSpc>
-                <a:spcPct val="90000"/>
-              </a:lnSpc>
-              <a:spcBef>
-                <a:spcPts val="1000"/>
-              </a:spcBef>
-              <a:buFont typeface="Arial" panose="020B0604020202020204" pitchFamily="34" charset="0"/>
-              <a:buNone/>
-              <a:defRPr sz="2400" kern="1200">
-                <a:solidFill>
-                  <a:schemeClr val="tx1"/>
-                </a:solidFill>
-                <a:latin typeface="+mn-lt"/>
-                <a:ea typeface="+mn-ea"/>
-                <a:cs typeface="+mn-cs"/>
-              </a:defRPr>
-            </a:lvl1pPr>
-            <a:lvl2pPr marL="457200" indent="0" algn="ctr" defTabSz="914400" rtl="0" eaLnBrk="1" latinLnBrk="0" hangingPunct="1">
-              <a:lnSpc>
-                <a:spcPct val="90000"/>
-              </a:lnSpc>
-              <a:spcBef>
-                <a:spcPts val="500"/>
-              </a:spcBef>
-              <a:buFont typeface="Arial" panose="020B0604020202020204" pitchFamily="34" charset="0"/>
-              <a:buNone/>
-              <a:defRPr sz="2000" kern="1200">
-                <a:solidFill>
-                  <a:schemeClr val="tx1"/>
-                </a:solidFill>
-                <a:latin typeface="+mn-lt"/>
-                <a:ea typeface="+mn-ea"/>
-                <a:cs typeface="+mn-cs"/>
-              </a:defRPr>
-            </a:lvl2pPr>
-            <a:lvl3pPr marL="914400" indent="0" algn="ctr" defTabSz="914400" rtl="0" eaLnBrk="1" latinLnBrk="0" hangingPunct="1">
-              <a:lnSpc>
-                <a:spcPct val="90000"/>
-              </a:lnSpc>
-              <a:spcBef>
-                <a:spcPts val="500"/>
-              </a:spcBef>
-              <a:buFont typeface="Arial" panose="020B0604020202020204" pitchFamily="34" charset="0"/>
-              <a:buNone/>
-              <a:defRPr sz="1800" kern="1200">
-                <a:solidFill>
-                  <a:schemeClr val="tx1"/>
-                </a:solidFill>
-                <a:latin typeface="+mn-lt"/>
-                <a:ea typeface="+mn-ea"/>
-                <a:cs typeface="+mn-cs"/>
-              </a:defRPr>
-            </a:lvl3pPr>
-            <a:lvl4pPr marL="1371600" indent="0" algn="ctr" defTabSz="914400" rtl="0" eaLnBrk="1" latinLnBrk="0" hangingPunct="1">
-              <a:lnSpc>
-                <a:spcPct val="90000"/>
-              </a:lnSpc>
-              <a:spcBef>
-                <a:spcPts val="500"/>
-              </a:spcBef>
-              <a:buFont typeface="Arial" panose="020B0604020202020204" pitchFamily="34" charset="0"/>
-              <a:buNone/>
-              <a:defRPr sz="1600" kern="1200">
-                <a:solidFill>
-                  <a:schemeClr val="tx1"/>
-                </a:solidFill>
-                <a:latin typeface="+mn-lt"/>
-                <a:ea typeface="+mn-ea"/>
-                <a:cs typeface="+mn-cs"/>
-              </a:defRPr>
-            </a:lvl4pPr>
-            <a:lvl5pPr marL="1828800" indent="0" algn="ctr" defTabSz="914400" rtl="0" eaLnBrk="1" latinLnBrk="0" hangingPunct="1">
-              <a:lnSpc>
-                <a:spcPct val="90000"/>
-              </a:lnSpc>
-              <a:spcBef>
-                <a:spcPts val="500"/>
-              </a:spcBef>
-              <a:buFont typeface="Arial" panose="020B0604020202020204" pitchFamily="34" charset="0"/>
-              <a:buNone/>
-              <a:defRPr sz="1600" kern="1200">
-                <a:solidFill>
-                  <a:schemeClr val="tx1"/>
-                </a:solidFill>
-                <a:latin typeface="+mn-lt"/>
-                <a:ea typeface="+mn-ea"/>
-                <a:cs typeface="+mn-cs"/>
-              </a:defRPr>
-            </a:lvl5pPr>
-            <a:lvl6pPr marL="2286000" indent="0" algn="ctr" defTabSz="914400" rtl="0" eaLnBrk="1" latinLnBrk="0" hangingPunct="1">
-              <a:lnSpc>
-                <a:spcPct val="90000"/>
-              </a:lnSpc>
-              <a:spcBef>
-                <a:spcPts val="500"/>
-              </a:spcBef>
-              <a:buFont typeface="Arial" panose="020B0604020202020204" pitchFamily="34" charset="0"/>
-              <a:buNone/>
-              <a:defRPr sz="1600" kern="1200">
-                <a:solidFill>
-                  <a:schemeClr val="tx1"/>
-                </a:solidFill>
-                <a:latin typeface="+mn-lt"/>
-                <a:ea typeface="+mn-ea"/>
-                <a:cs typeface="+mn-cs"/>
-              </a:defRPr>
-            </a:lvl6pPr>
-            <a:lvl7pPr marL="2743200" indent="0" algn="ctr" defTabSz="914400" rtl="0" eaLnBrk="1" latinLnBrk="0" hangingPunct="1">
-              <a:lnSpc>
-                <a:spcPct val="90000"/>
-              </a:lnSpc>
-              <a:spcBef>
-                <a:spcPts val="500"/>
-              </a:spcBef>
-              <a:buFont typeface="Arial" panose="020B0604020202020204" pitchFamily="34" charset="0"/>
-              <a:buNone/>
-              <a:defRPr sz="1600" kern="1200">
-                <a:solidFill>
-                  <a:schemeClr val="tx1"/>
-                </a:solidFill>
-                <a:latin typeface="+mn-lt"/>
-                <a:ea typeface="+mn-ea"/>
-                <a:cs typeface="+mn-cs"/>
-              </a:defRPr>
-            </a:lvl7pPr>
-            <a:lvl8pPr marL="3200400" indent="0" algn="ctr" defTabSz="914400" rtl="0" eaLnBrk="1" latinLnBrk="0" hangingPunct="1">
-              <a:lnSpc>
-                <a:spcPct val="90000"/>
-              </a:lnSpc>
-              <a:spcBef>
-                <a:spcPts val="500"/>
-              </a:spcBef>
-              <a:buFont typeface="Arial" panose="020B0604020202020204" pitchFamily="34" charset="0"/>
-              <a:buNone/>
-              <a:defRPr sz="1600" kern="1200">
-                <a:solidFill>
-                  <a:schemeClr val="tx1"/>
-                </a:solidFill>
-                <a:latin typeface="+mn-lt"/>
-                <a:ea typeface="+mn-ea"/>
-                <a:cs typeface="+mn-cs"/>
-              </a:defRPr>
-            </a:lvl8pPr>
-            <a:lvl9pPr marL="3657600" indent="0" algn="ctr" defTabSz="914400" rtl="0" eaLnBrk="1" latinLnBrk="0" hangingPunct="1">
-              <a:lnSpc>
-                <a:spcPct val="90000"/>
-              </a:lnSpc>
-              <a:spcBef>
-                <a:spcPts val="500"/>
-              </a:spcBef>
-              <a:buFont typeface="Arial" panose="020B0604020202020204" pitchFamily="34" charset="0"/>
-              <a:buNone/>
-              <a:defRPr sz="1600" kern="1200">
-                <a:solidFill>
-                  <a:schemeClr val="tx1"/>
-                </a:solidFill>
-                <a:latin typeface="+mn-lt"/>
-                <a:ea typeface="+mn-ea"/>
-                <a:cs typeface="+mn-cs"/>
-              </a:defRPr>
-            </a:lvl9pPr>
-          </a:lstStyle>
-          <a:p>
-            <a:pPr marL="342891" indent="-342891" algn="just" fontAlgn="base">
-              <a:lnSpc>
-                <a:spcPct val="150000"/>
-              </a:lnSpc>
-              <a:buFont typeface="Wingdings" panose="05000000000000000000" pitchFamily="2" charset="2"/>
-              <a:buChar char="§"/>
-            </a:pPr>
-            <a:endParaRPr lang="en-US" sz="2000" dirty="0"/>
-          </a:p>
-        </p:txBody>
-      </p:sp>
-      <p:sp>
-        <p:nvSpPr>
-          <p:cNvPr id="7" name="Rectangle 6">
-            <a:extLst>
-              <a:ext uri="{FF2B5EF4-FFF2-40B4-BE49-F238E27FC236}">
-                <a16:creationId xmlns:a16="http://schemas.microsoft.com/office/drawing/2014/main" id="{0B25F4AF-E27C-45D8-B7CA-2A42BA53B81B}"/>
-              </a:ext>
-            </a:extLst>
-          </p:cNvPr>
-          <p:cNvSpPr/>
-          <p:nvPr/>
-        </p:nvSpPr>
-        <p:spPr>
-          <a:xfrm>
-            <a:off x="628643" y="1150590"/>
-            <a:ext cx="8093332" cy="677108"/>
-          </a:xfrm>
-          <a:prstGeom prst="rect">
-            <a:avLst/>
-          </a:prstGeom>
-        </p:spPr>
-        <p:txBody>
-          <a:bodyPr wrap="square">
-            <a:spAutoFit/>
-          </a:bodyPr>
-          <a:lstStyle/>
-          <a:p>
-            <a:endParaRPr lang="en-US" sz="2000" u="sng" dirty="0">
-              <a:solidFill>
-                <a:srgbClr val="8B0000"/>
-              </a:solidFill>
-              <a:latin typeface="LMRoman12-Regular"/>
-            </a:endParaRPr>
-          </a:p>
-          <a:p>
-            <a:endParaRPr lang="en-US" u="sng" dirty="0">
-              <a:solidFill>
-                <a:srgbClr val="8B0000"/>
-              </a:solidFill>
-              <a:latin typeface="LMRoman12-Regular"/>
-            </a:endParaRPr>
-          </a:p>
-        </p:txBody>
-      </p:sp>
-      <p:sp>
-        <p:nvSpPr>
-          <p:cNvPr id="8" name="Rectangle 2">
-            <a:extLst>
-              <a:ext uri="{FF2B5EF4-FFF2-40B4-BE49-F238E27FC236}">
-                <a16:creationId xmlns:a16="http://schemas.microsoft.com/office/drawing/2014/main" id="{C237D77B-5532-4A0A-83FE-B524596CF1CB}"/>
-              </a:ext>
-            </a:extLst>
-          </p:cNvPr>
-          <p:cNvSpPr>
-            <a:spLocks noChangeArrowheads="1"/>
-          </p:cNvSpPr>
-          <p:nvPr/>
-        </p:nvSpPr>
-        <p:spPr bwMode="auto">
-          <a:xfrm>
-            <a:off x="503359" y="3258859"/>
-            <a:ext cx="8093332" cy="276999"/>
-          </a:xfrm>
-          <a:prstGeom prst="rect">
-            <a:avLst/>
-          </a:prstGeom>
-          <a:ln>
-            <a:solidFill>
-              <a:schemeClr val="bg1"/>
-            </a:solidFill>
-          </a:ln>
-        </p:spPr>
-        <p:style>
-          <a:lnRef idx="2">
-            <a:schemeClr val="dk1"/>
-          </a:lnRef>
-          <a:fillRef idx="1">
-            <a:schemeClr val="lt1"/>
-          </a:fillRef>
-          <a:effectRef idx="0">
-            <a:schemeClr val="dk1"/>
-          </a:effectRef>
-          <a:fontRef idx="minor">
-            <a:schemeClr val="dk1"/>
-          </a:fontRef>
-        </p:style>
-        <p:txBody>
-          <a:bodyPr vert="horz" wrap="square" lIns="0" tIns="0" rIns="0" bIns="0" numCol="1" anchor="ctr" anchorCtr="0" compatLnSpc="1">
-            <a:prstTxWarp prst="textNoShape">
-              <a:avLst/>
-            </a:prstTxWarp>
-            <a:spAutoFit/>
-          </a:bodyPr>
-          <a:lstStyle/>
-          <a:p>
-            <a:pPr marL="0" marR="0" lvl="0" indent="0" algn="l" defTabSz="914400" rtl="0" eaLnBrk="0" fontAlgn="base" latinLnBrk="0" hangingPunct="0">
-              <a:lnSpc>
-                <a:spcPct val="100000"/>
-              </a:lnSpc>
-              <a:spcBef>
-                <a:spcPct val="0"/>
-              </a:spcBef>
-              <a:spcAft>
-                <a:spcPct val="0"/>
-              </a:spcAft>
-              <a:buClrTx/>
-              <a:buSzTx/>
-              <a:buFontTx/>
-              <a:buNone/>
-              <a:tabLst/>
-            </a:pPr>
-            <a:endParaRPr kumimoji="0" lang="en-US" altLang="en-US" b="0" i="0" u="none" strike="noStrike" cap="none" normalizeH="0" baseline="0" dirty="0">
-              <a:ln>
-                <a:noFill/>
-              </a:ln>
-              <a:effectLst/>
-              <a:latin typeface="Source Code Pro"/>
-            </a:endParaRPr>
-          </a:p>
-        </p:txBody>
-      </p:sp>
-    </p:spTree>
-    <p:extLst>
-      <p:ext uri="{BB962C8B-B14F-4D97-AF65-F5344CB8AC3E}">
-        <p14:creationId xmlns:p14="http://schemas.microsoft.com/office/powerpoint/2010/main" val="294800454"/>
-      </p:ext>
-    </p:extLst>
-  </p:cSld>
-  <p:clrMapOvr>
-    <a:masterClrMapping/>
-  </p:clrMapOvr>
-</p:sld>
-</file>
-
-<file path=ppt/slides/slide11.xml><?xml version="1.0" encoding="utf-8"?>
-<p:sld xmlns:a="http://schemas.openxmlformats.org/drawingml/2006/main" xmlns:r="http://schemas.openxmlformats.org/officeDocument/2006/relationships" xmlns:p="http://schemas.openxmlformats.org/presentationml/2006/main">
-  <p:cSld>
-    <p:spTree>
-      <p:nvGrpSpPr>
-        <p:cNvPr id="1" name=""/>
-        <p:cNvGrpSpPr/>
-        <p:nvPr/>
-      </p:nvGrpSpPr>
-      <p:grpSpPr>
-        <a:xfrm>
-          <a:off x="0" y="0"/>
-          <a:ext cx="0" cy="0"/>
-          <a:chOff x="0" y="0"/>
-          <a:chExt cx="0" cy="0"/>
-        </a:xfrm>
-      </p:grpSpPr>
-      <p:cxnSp>
-        <p:nvCxnSpPr>
-          <p:cNvPr id="2" name="Straight Connector 1">
-            <a:extLst>
-              <a:ext uri="{FF2B5EF4-FFF2-40B4-BE49-F238E27FC236}">
                 <a16:creationId xmlns:a16="http://schemas.microsoft.com/office/drawing/2014/main" id="{24966871-885D-423E-92D2-C6E7CC07A2A5}"/>
               </a:ext>
             </a:extLst>
@@ -4837,357 +4361,6 @@
       </p:sp>
       <p:sp>
         <p:nvSpPr>
-          <p:cNvPr id="4" name="Content Placeholder 2">
-            <a:extLst>
-              <a:ext uri="{FF2B5EF4-FFF2-40B4-BE49-F238E27FC236}">
-                <a16:creationId xmlns:a16="http://schemas.microsoft.com/office/drawing/2014/main" id="{907EBB44-2550-4527-99C9-372A883691BC}"/>
-              </a:ext>
-            </a:extLst>
-          </p:cNvPr>
-          <p:cNvSpPr txBox="1">
-            <a:spLocks/>
-          </p:cNvSpPr>
-          <p:nvPr/>
-        </p:nvSpPr>
-        <p:spPr>
-          <a:xfrm>
-            <a:off x="628650" y="1097453"/>
-            <a:ext cx="7886700" cy="4351339"/>
-          </a:xfrm>
-          <a:prstGeom prst="rect">
-            <a:avLst/>
-          </a:prstGeom>
-        </p:spPr>
-        <p:txBody>
-          <a:bodyPr vert="horz" lIns="91440" tIns="45720" rIns="91440" bIns="45720" rtlCol="0">
-            <a:normAutofit/>
-          </a:bodyPr>
-          <a:lstStyle>
-            <a:lvl1pPr marL="0" indent="0" algn="ctr" defTabSz="914400" rtl="0" eaLnBrk="1" latinLnBrk="0" hangingPunct="1">
-              <a:lnSpc>
-                <a:spcPct val="90000"/>
-              </a:lnSpc>
-              <a:spcBef>
-                <a:spcPts val="1000"/>
-              </a:spcBef>
-              <a:buFont typeface="Arial" panose="020B0604020202020204" pitchFamily="34" charset="0"/>
-              <a:buNone/>
-              <a:defRPr sz="2400" kern="1200">
-                <a:solidFill>
-                  <a:schemeClr val="tx1"/>
-                </a:solidFill>
-                <a:latin typeface="+mn-lt"/>
-                <a:ea typeface="+mn-ea"/>
-                <a:cs typeface="+mn-cs"/>
-              </a:defRPr>
-            </a:lvl1pPr>
-            <a:lvl2pPr marL="457200" indent="0" algn="ctr" defTabSz="914400" rtl="0" eaLnBrk="1" latinLnBrk="0" hangingPunct="1">
-              <a:lnSpc>
-                <a:spcPct val="90000"/>
-              </a:lnSpc>
-              <a:spcBef>
-                <a:spcPts val="500"/>
-              </a:spcBef>
-              <a:buFont typeface="Arial" panose="020B0604020202020204" pitchFamily="34" charset="0"/>
-              <a:buNone/>
-              <a:defRPr sz="2000" kern="1200">
-                <a:solidFill>
-                  <a:schemeClr val="tx1"/>
-                </a:solidFill>
-                <a:latin typeface="+mn-lt"/>
-                <a:ea typeface="+mn-ea"/>
-                <a:cs typeface="+mn-cs"/>
-              </a:defRPr>
-            </a:lvl2pPr>
-            <a:lvl3pPr marL="914400" indent="0" algn="ctr" defTabSz="914400" rtl="0" eaLnBrk="1" latinLnBrk="0" hangingPunct="1">
-              <a:lnSpc>
-                <a:spcPct val="90000"/>
-              </a:lnSpc>
-              <a:spcBef>
-                <a:spcPts val="500"/>
-              </a:spcBef>
-              <a:buFont typeface="Arial" panose="020B0604020202020204" pitchFamily="34" charset="0"/>
-              <a:buNone/>
-              <a:defRPr sz="1800" kern="1200">
-                <a:solidFill>
-                  <a:schemeClr val="tx1"/>
-                </a:solidFill>
-                <a:latin typeface="+mn-lt"/>
-                <a:ea typeface="+mn-ea"/>
-                <a:cs typeface="+mn-cs"/>
-              </a:defRPr>
-            </a:lvl3pPr>
-            <a:lvl4pPr marL="1371600" indent="0" algn="ctr" defTabSz="914400" rtl="0" eaLnBrk="1" latinLnBrk="0" hangingPunct="1">
-              <a:lnSpc>
-                <a:spcPct val="90000"/>
-              </a:lnSpc>
-              <a:spcBef>
-                <a:spcPts val="500"/>
-              </a:spcBef>
-              <a:buFont typeface="Arial" panose="020B0604020202020204" pitchFamily="34" charset="0"/>
-              <a:buNone/>
-              <a:defRPr sz="1600" kern="1200">
-                <a:solidFill>
-                  <a:schemeClr val="tx1"/>
-                </a:solidFill>
-                <a:latin typeface="+mn-lt"/>
-                <a:ea typeface="+mn-ea"/>
-                <a:cs typeface="+mn-cs"/>
-              </a:defRPr>
-            </a:lvl4pPr>
-            <a:lvl5pPr marL="1828800" indent="0" algn="ctr" defTabSz="914400" rtl="0" eaLnBrk="1" latinLnBrk="0" hangingPunct="1">
-              <a:lnSpc>
-                <a:spcPct val="90000"/>
-              </a:lnSpc>
-              <a:spcBef>
-                <a:spcPts val="500"/>
-              </a:spcBef>
-              <a:buFont typeface="Arial" panose="020B0604020202020204" pitchFamily="34" charset="0"/>
-              <a:buNone/>
-              <a:defRPr sz="1600" kern="1200">
-                <a:solidFill>
-                  <a:schemeClr val="tx1"/>
-                </a:solidFill>
-                <a:latin typeface="+mn-lt"/>
-                <a:ea typeface="+mn-ea"/>
-                <a:cs typeface="+mn-cs"/>
-              </a:defRPr>
-            </a:lvl5pPr>
-            <a:lvl6pPr marL="2286000" indent="0" algn="ctr" defTabSz="914400" rtl="0" eaLnBrk="1" latinLnBrk="0" hangingPunct="1">
-              <a:lnSpc>
-                <a:spcPct val="90000"/>
-              </a:lnSpc>
-              <a:spcBef>
-                <a:spcPts val="500"/>
-              </a:spcBef>
-              <a:buFont typeface="Arial" panose="020B0604020202020204" pitchFamily="34" charset="0"/>
-              <a:buNone/>
-              <a:defRPr sz="1600" kern="1200">
-                <a:solidFill>
-                  <a:schemeClr val="tx1"/>
-                </a:solidFill>
-                <a:latin typeface="+mn-lt"/>
-                <a:ea typeface="+mn-ea"/>
-                <a:cs typeface="+mn-cs"/>
-              </a:defRPr>
-            </a:lvl6pPr>
-            <a:lvl7pPr marL="2743200" indent="0" algn="ctr" defTabSz="914400" rtl="0" eaLnBrk="1" latinLnBrk="0" hangingPunct="1">
-              <a:lnSpc>
-                <a:spcPct val="90000"/>
-              </a:lnSpc>
-              <a:spcBef>
-                <a:spcPts val="500"/>
-              </a:spcBef>
-              <a:buFont typeface="Arial" panose="020B0604020202020204" pitchFamily="34" charset="0"/>
-              <a:buNone/>
-              <a:defRPr sz="1600" kern="1200">
-                <a:solidFill>
-                  <a:schemeClr val="tx1"/>
-                </a:solidFill>
-                <a:latin typeface="+mn-lt"/>
-                <a:ea typeface="+mn-ea"/>
-                <a:cs typeface="+mn-cs"/>
-              </a:defRPr>
-            </a:lvl7pPr>
-            <a:lvl8pPr marL="3200400" indent="0" algn="ctr" defTabSz="914400" rtl="0" eaLnBrk="1" latinLnBrk="0" hangingPunct="1">
-              <a:lnSpc>
-                <a:spcPct val="90000"/>
-              </a:lnSpc>
-              <a:spcBef>
-                <a:spcPts val="500"/>
-              </a:spcBef>
-              <a:buFont typeface="Arial" panose="020B0604020202020204" pitchFamily="34" charset="0"/>
-              <a:buNone/>
-              <a:defRPr sz="1600" kern="1200">
-                <a:solidFill>
-                  <a:schemeClr val="tx1"/>
-                </a:solidFill>
-                <a:latin typeface="+mn-lt"/>
-                <a:ea typeface="+mn-ea"/>
-                <a:cs typeface="+mn-cs"/>
-              </a:defRPr>
-            </a:lvl8pPr>
-            <a:lvl9pPr marL="3657600" indent="0" algn="ctr" defTabSz="914400" rtl="0" eaLnBrk="1" latinLnBrk="0" hangingPunct="1">
-              <a:lnSpc>
-                <a:spcPct val="90000"/>
-              </a:lnSpc>
-              <a:spcBef>
-                <a:spcPts val="500"/>
-              </a:spcBef>
-              <a:buFont typeface="Arial" panose="020B0604020202020204" pitchFamily="34" charset="0"/>
-              <a:buNone/>
-              <a:defRPr sz="1600" kern="1200">
-                <a:solidFill>
-                  <a:schemeClr val="tx1"/>
-                </a:solidFill>
-                <a:latin typeface="+mn-lt"/>
-                <a:ea typeface="+mn-ea"/>
-                <a:cs typeface="+mn-cs"/>
-              </a:defRPr>
-            </a:lvl9pPr>
-          </a:lstStyle>
-          <a:p>
-            <a:pPr algn="just" fontAlgn="base">
-              <a:lnSpc>
-                <a:spcPct val="100000"/>
-              </a:lnSpc>
-            </a:pPr>
-            <a:endParaRPr lang="en-US" sz="2000" dirty="0"/>
-          </a:p>
-        </p:txBody>
-      </p:sp>
-      <p:sp>
-        <p:nvSpPr>
-          <p:cNvPr id="5" name="Rectangle 4">
-            <a:extLst>
-              <a:ext uri="{FF2B5EF4-FFF2-40B4-BE49-F238E27FC236}">
-                <a16:creationId xmlns:a16="http://schemas.microsoft.com/office/drawing/2014/main" id="{E88DE937-29F6-41A1-8DD5-8A8297EF614A}"/>
-              </a:ext>
-            </a:extLst>
-          </p:cNvPr>
-          <p:cNvSpPr/>
-          <p:nvPr/>
-        </p:nvSpPr>
-        <p:spPr>
-          <a:xfrm>
-            <a:off x="3516110" y="593567"/>
-            <a:ext cx="1773242" cy="584775"/>
-          </a:xfrm>
-          <a:prstGeom prst="rect">
-            <a:avLst/>
-          </a:prstGeom>
-          <a:noFill/>
-        </p:spPr>
-        <p:txBody>
-          <a:bodyPr wrap="none" lIns="91440" tIns="45720" rIns="91440" bIns="45720">
-            <a:spAutoFit/>
-          </a:bodyPr>
-          <a:lstStyle/>
-          <a:p>
-            <a:pPr algn="ctr"/>
-            <a:r>
-              <a:rPr lang="en-US" sz="3200" dirty="0">
-                <a:ln w="0"/>
-                <a:effectLst>
-                  <a:outerShdw blurRad="38100" dist="19050" dir="2700000" algn="tl" rotWithShape="0">
-                    <a:schemeClr val="dk1">
-                      <a:alpha val="40000"/>
-                    </a:schemeClr>
-                  </a:outerShdw>
-                </a:effectLst>
-                <a:latin typeface="Trebuchet MS" panose="020B0603020202020204" pitchFamily="34" charset="0"/>
-              </a:rPr>
-              <a:t>Iterators</a:t>
-            </a:r>
-          </a:p>
-        </p:txBody>
-      </p:sp>
-    </p:spTree>
-    <p:extLst>
-      <p:ext uri="{BB962C8B-B14F-4D97-AF65-F5344CB8AC3E}">
-        <p14:creationId xmlns:p14="http://schemas.microsoft.com/office/powerpoint/2010/main" val="3519704698"/>
-      </p:ext>
-    </p:extLst>
-  </p:cSld>
-  <p:clrMapOvr>
-    <a:masterClrMapping/>
-  </p:clrMapOvr>
-</p:sld>
-</file>
-
-<file path=ppt/slides/slide12.xml><?xml version="1.0" encoding="utf-8"?>
-<p:sld xmlns:a="http://schemas.openxmlformats.org/drawingml/2006/main" xmlns:r="http://schemas.openxmlformats.org/officeDocument/2006/relationships" xmlns:p="http://schemas.openxmlformats.org/presentationml/2006/main">
-  <p:cSld>
-    <p:spTree>
-      <p:nvGrpSpPr>
-        <p:cNvPr id="1" name=""/>
-        <p:cNvGrpSpPr/>
-        <p:nvPr/>
-      </p:nvGrpSpPr>
-      <p:grpSpPr>
-        <a:xfrm>
-          <a:off x="0" y="0"/>
-          <a:ext cx="0" cy="0"/>
-          <a:chOff x="0" y="0"/>
-          <a:chExt cx="0" cy="0"/>
-        </a:xfrm>
-      </p:grpSpPr>
-      <p:cxnSp>
-        <p:nvCxnSpPr>
-          <p:cNvPr id="2" name="Straight Connector 1">
-            <a:extLst>
-              <a:ext uri="{FF2B5EF4-FFF2-40B4-BE49-F238E27FC236}">
-                <a16:creationId xmlns:a16="http://schemas.microsoft.com/office/drawing/2014/main" id="{24966871-885D-423E-92D2-C6E7CC07A2A5}"/>
-              </a:ext>
-            </a:extLst>
-          </p:cNvPr>
-          <p:cNvCxnSpPr/>
-          <p:nvPr/>
-        </p:nvCxnSpPr>
-        <p:spPr>
-          <a:xfrm>
-            <a:off x="378075" y="6400800"/>
-            <a:ext cx="8343900" cy="0"/>
-          </a:xfrm>
-          <a:prstGeom prst="line">
-            <a:avLst/>
-          </a:prstGeom>
-          <a:ln w="57150"/>
-        </p:spPr>
-        <p:style>
-          <a:lnRef idx="3">
-            <a:schemeClr val="accent1"/>
-          </a:lnRef>
-          <a:fillRef idx="0">
-            <a:schemeClr val="accent1"/>
-          </a:fillRef>
-          <a:effectRef idx="2">
-            <a:schemeClr val="accent1"/>
-          </a:effectRef>
-          <a:fontRef idx="minor">
-            <a:schemeClr val="tx1"/>
-          </a:fontRef>
-        </p:style>
-      </p:cxnSp>
-      <p:sp>
-        <p:nvSpPr>
-          <p:cNvPr id="3" name="TextBox 2">
-            <a:extLst>
-              <a:ext uri="{FF2B5EF4-FFF2-40B4-BE49-F238E27FC236}">
-                <a16:creationId xmlns:a16="http://schemas.microsoft.com/office/drawing/2014/main" id="{7E16A8D6-9144-403F-A2F8-B753CFB72EE5}"/>
-              </a:ext>
-            </a:extLst>
-          </p:cNvPr>
-          <p:cNvSpPr txBox="1"/>
-          <p:nvPr/>
-        </p:nvSpPr>
-        <p:spPr>
-          <a:xfrm>
-            <a:off x="287461" y="6468707"/>
-            <a:ext cx="2677297" cy="326243"/>
-          </a:xfrm>
-          <a:prstGeom prst="rect">
-            <a:avLst/>
-          </a:prstGeom>
-          <a:noFill/>
-        </p:spPr>
-        <p:txBody>
-          <a:bodyPr wrap="square" rtlCol="0">
-            <a:spAutoFit/>
-          </a:bodyPr>
-          <a:lstStyle/>
-          <a:p>
-            <a:r>
-              <a:rPr lang="en-US" sz="1520" dirty="0">
-                <a:latin typeface="Baskerville Old Face" panose="02020602080505020303" pitchFamily="18" charset="0"/>
-              </a:rPr>
-              <a:t>Introduction to Python</a:t>
-            </a:r>
-          </a:p>
-        </p:txBody>
-      </p:sp>
-      <p:sp>
-        <p:nvSpPr>
           <p:cNvPr id="5" name="Rectangle 4">
             <a:extLst>
               <a:ext uri="{FF2B5EF4-FFF2-40B4-BE49-F238E27FC236}">
@@ -5442,6 +4615,207 @@
               <a:buChar char="§"/>
             </a:pPr>
             <a:endParaRPr lang="en-US" sz="2000" dirty="0"/>
+          </a:p>
+        </p:txBody>
+      </p:sp>
+      <p:sp>
+        <p:nvSpPr>
+          <p:cNvPr id="7" name="Rectangle 6">
+            <a:extLst>
+              <a:ext uri="{FF2B5EF4-FFF2-40B4-BE49-F238E27FC236}">
+                <a16:creationId xmlns:a16="http://schemas.microsoft.com/office/drawing/2014/main" id="{047AE2B5-90E1-4149-8A69-3EA23F3F93DC}"/>
+              </a:ext>
+            </a:extLst>
+          </p:cNvPr>
+          <p:cNvSpPr/>
+          <p:nvPr/>
+        </p:nvSpPr>
+        <p:spPr>
+          <a:xfrm>
+            <a:off x="781056" y="1508471"/>
+            <a:ext cx="7886699" cy="3416320"/>
+          </a:xfrm>
+          <a:prstGeom prst="rect">
+            <a:avLst/>
+          </a:prstGeom>
+        </p:spPr>
+        <p:txBody>
+          <a:bodyPr wrap="square">
+            <a:spAutoFit/>
+          </a:bodyPr>
+          <a:lstStyle/>
+          <a:p>
+            <a:r>
+              <a:rPr lang="en-US" b="1" dirty="0">
+                <a:solidFill>
+                  <a:srgbClr val="C00000"/>
+                </a:solidFill>
+                <a:latin typeface="LMRoman12-Regular"/>
+              </a:rPr>
+              <a:t>Generator: </a:t>
+            </a:r>
+            <a:r>
+              <a:rPr lang="en-US" dirty="0">
+                <a:latin typeface="LMRoman12-Regular"/>
+              </a:rPr>
+              <a:t>Generators are a simple way to create iterators using functions. You can also define iterators using classes, which you can read more about here.</a:t>
+            </a:r>
+          </a:p>
+          <a:p>
+            <a:endParaRPr lang="en-US" dirty="0">
+              <a:latin typeface="LMRoman12-Regular"/>
+            </a:endParaRPr>
+          </a:p>
+          <a:p>
+            <a:pPr lvl="4"/>
+            <a:r>
+              <a:rPr lang="en-US" b="1" dirty="0">
+                <a:latin typeface="LMRoman12-Regular"/>
+              </a:rPr>
+              <a:t>def</a:t>
+            </a:r>
+            <a:r>
+              <a:rPr lang="en-US" dirty="0">
+                <a:latin typeface="LMRoman12-Regular"/>
+              </a:rPr>
+              <a:t> </a:t>
+            </a:r>
+            <a:r>
+              <a:rPr lang="en-US" dirty="0" err="1">
+                <a:latin typeface="Source Code Pro"/>
+              </a:rPr>
+              <a:t>my_range</a:t>
+            </a:r>
+            <a:r>
+              <a:rPr lang="en-US" dirty="0">
+                <a:latin typeface="LMRoman12-Regular"/>
+              </a:rPr>
+              <a:t>(</a:t>
+            </a:r>
+            <a:r>
+              <a:rPr lang="en-US" dirty="0">
+                <a:latin typeface="Source Code Pro"/>
+              </a:rPr>
+              <a:t>x</a:t>
+            </a:r>
+            <a:r>
+              <a:rPr lang="en-US" dirty="0">
+                <a:latin typeface="LMRoman12-Regular"/>
+              </a:rPr>
+              <a:t>):</a:t>
+            </a:r>
+          </a:p>
+          <a:p>
+            <a:pPr lvl="4"/>
+            <a:r>
+              <a:rPr lang="en-US" dirty="0">
+                <a:latin typeface="Source Code Pro"/>
+              </a:rPr>
+              <a:t>    </a:t>
+            </a:r>
+            <a:r>
+              <a:rPr lang="en-US" dirty="0" err="1">
+                <a:latin typeface="Source Code Pro"/>
+              </a:rPr>
+              <a:t>i</a:t>
+            </a:r>
+            <a:r>
+              <a:rPr lang="en-US" dirty="0">
+                <a:latin typeface="Source Code Pro"/>
+              </a:rPr>
+              <a:t> = 0</a:t>
+            </a:r>
+          </a:p>
+          <a:p>
+            <a:pPr lvl="4"/>
+            <a:r>
+              <a:rPr lang="en-US" dirty="0">
+                <a:latin typeface="Source Code Pro"/>
+              </a:rPr>
+              <a:t>    while </a:t>
+            </a:r>
+            <a:r>
+              <a:rPr lang="en-US" dirty="0" err="1">
+                <a:latin typeface="Source Code Pro"/>
+              </a:rPr>
+              <a:t>i</a:t>
+            </a:r>
+            <a:r>
+              <a:rPr lang="en-US" dirty="0">
+                <a:latin typeface="Source Code Pro"/>
+              </a:rPr>
+              <a:t> &lt; x:</a:t>
+            </a:r>
+          </a:p>
+          <a:p>
+            <a:pPr lvl="4"/>
+            <a:r>
+              <a:rPr lang="en-US" dirty="0">
+                <a:latin typeface="Source Code Pro"/>
+              </a:rPr>
+              <a:t>        </a:t>
+            </a:r>
+            <a:r>
+              <a:rPr lang="en-US" b="1" dirty="0">
+                <a:latin typeface="Source Code Pro"/>
+              </a:rPr>
+              <a:t>yield</a:t>
+            </a:r>
+            <a:r>
+              <a:rPr lang="en-US" dirty="0">
+                <a:latin typeface="Source Code Pro"/>
+              </a:rPr>
+              <a:t> </a:t>
+            </a:r>
+            <a:r>
+              <a:rPr lang="en-US" dirty="0" err="1">
+                <a:latin typeface="Source Code Pro"/>
+              </a:rPr>
+              <a:t>i</a:t>
+            </a:r>
+            <a:endParaRPr lang="en-US" dirty="0">
+              <a:latin typeface="Source Code Pro"/>
+            </a:endParaRPr>
+          </a:p>
+          <a:p>
+            <a:pPr lvl="4"/>
+            <a:r>
+              <a:rPr lang="en-US" dirty="0">
+                <a:latin typeface="Source Code Pro"/>
+              </a:rPr>
+              <a:t>        </a:t>
+            </a:r>
+            <a:r>
+              <a:rPr lang="en-US" dirty="0" err="1">
+                <a:latin typeface="Source Code Pro"/>
+              </a:rPr>
+              <a:t>i</a:t>
+            </a:r>
+            <a:r>
+              <a:rPr lang="en-US" dirty="0">
+                <a:latin typeface="Source Code Pro"/>
+              </a:rPr>
+              <a:t> += 1</a:t>
+            </a:r>
+          </a:p>
+          <a:p>
+            <a:endParaRPr lang="en-US" dirty="0">
+              <a:latin typeface="Source Code Pro"/>
+            </a:endParaRPr>
+          </a:p>
+          <a:p>
+            <a:r>
+              <a:rPr lang="en-US" b="1" dirty="0">
+                <a:latin typeface="LMRoman12-Regular"/>
+              </a:rPr>
+              <a:t>Yield</a:t>
+            </a:r>
+            <a:r>
+              <a:rPr lang="en-US" dirty="0">
+                <a:latin typeface="LMRoman12-Regular"/>
+              </a:rPr>
+              <a:t> allows the function to return values one at a time, and start where it left off each time it’s called. This yield keyword is what differentiate a generator from a typical function.</a:t>
+            </a:r>
           </a:p>
         </p:txBody>
       </p:sp>
@@ -5458,7 +4832,7 @@
 </p:sld>
 </file>
 
-<file path=ppt/slides/slide13.xml><?xml version="1.0" encoding="utf-8"?>
+<file path=ppt/slides/slide11.xml><?xml version="1.0" encoding="utf-8"?>
 <p:sld xmlns:a="http://schemas.openxmlformats.org/drawingml/2006/main" xmlns:r="http://schemas.openxmlformats.org/officeDocument/2006/relationships" xmlns:p="http://schemas.openxmlformats.org/presentationml/2006/main">
   <p:cSld>
     <p:spTree>
@@ -7635,9 +7009,9 @@
               <a:buChar char="§"/>
             </a:pPr>
             <a:r>
-              <a:rPr lang="en-US" sz="1800" dirty="0">
-                <a:solidFill>
-                  <a:srgbClr val="8B0000"/>
+              <a:rPr lang="en-US" sz="1800" b="1" dirty="0">
+                <a:solidFill>
+                  <a:srgbClr val="C00000"/>
                 </a:solidFill>
                 <a:latin typeface="LMRoman12-Regular"/>
               </a:rPr>
@@ -7713,7 +7087,7 @@
             <a:r>
               <a:rPr lang="en-US" sz="1800" b="1" u="sng" dirty="0">
                 <a:solidFill>
-                  <a:srgbClr val="8B0000"/>
+                  <a:srgbClr val="C00000"/>
                 </a:solidFill>
                 <a:latin typeface="LMRoman12-Regular"/>
               </a:rPr>
@@ -10127,6 +9501,109 @@
           </a:p>
         </p:txBody>
       </p:sp>
+      <p:sp>
+        <p:nvSpPr>
+          <p:cNvPr id="3" name="Rectangle 2">
+            <a:extLst>
+              <a:ext uri="{FF2B5EF4-FFF2-40B4-BE49-F238E27FC236}">
+                <a16:creationId xmlns:a16="http://schemas.microsoft.com/office/drawing/2014/main" id="{1EAD02DC-5ED0-4B03-BA66-72D3AE7A925F}"/>
+              </a:ext>
+            </a:extLst>
+          </p:cNvPr>
+          <p:cNvSpPr/>
+          <p:nvPr/>
+        </p:nvSpPr>
+        <p:spPr>
+          <a:xfrm>
+            <a:off x="628642" y="1246248"/>
+            <a:ext cx="7886699" cy="3416320"/>
+          </a:xfrm>
+          <a:prstGeom prst="rect">
+            <a:avLst/>
+          </a:prstGeom>
+        </p:spPr>
+        <p:txBody>
+          <a:bodyPr wrap="square">
+            <a:spAutoFit/>
+          </a:bodyPr>
+          <a:lstStyle/>
+          <a:p>
+            <a:r>
+              <a:rPr lang="en-US" sz="2000" b="1" dirty="0">
+                <a:solidFill>
+                  <a:srgbClr val="C00000"/>
+                </a:solidFill>
+                <a:latin typeface="LMRoman12-Regular"/>
+              </a:rPr>
+              <a:t>What is a class?</a:t>
+            </a:r>
+          </a:p>
+          <a:p>
+            <a:r>
+              <a:rPr lang="en-US" dirty="0"/>
+              <a:t>	</a:t>
+            </a:r>
+            <a:r>
+              <a:rPr lang="en-US" dirty="0">
+                <a:latin typeface="LMRoman12-Regular"/>
+              </a:rPr>
+              <a:t>A class is a code template for creating objects. Objects have member variables and have behavior associated with them. In python a class is created by the keyword class.</a:t>
+            </a:r>
+          </a:p>
+          <a:p>
+            <a:endParaRPr lang="en-US" dirty="0">
+              <a:latin typeface="LMRoman12-Regular"/>
+            </a:endParaRPr>
+          </a:p>
+          <a:p>
+            <a:r>
+              <a:rPr lang="en-US" sz="2000" b="1" dirty="0">
+                <a:solidFill>
+                  <a:srgbClr val="C00000"/>
+                </a:solidFill>
+                <a:latin typeface="LMRoman12-Regular"/>
+              </a:rPr>
+              <a:t>Attributes and Methods in class:</a:t>
+            </a:r>
+          </a:p>
+          <a:p>
+            <a:r>
+              <a:rPr lang="en-US" sz="2000" dirty="0">
+                <a:latin typeface="LMRoman12-Regular"/>
+              </a:rPr>
+              <a:t>&gt;&gt;&gt; class Snake:</a:t>
+            </a:r>
+          </a:p>
+          <a:p>
+            <a:r>
+              <a:rPr lang="en-US" sz="2000" dirty="0">
+                <a:latin typeface="LMRoman12-Regular"/>
+              </a:rPr>
+              <a:t>...     name = "python" # set an attribute `name` of the class</a:t>
+            </a:r>
+          </a:p>
+          <a:p>
+            <a:r>
+              <a:rPr lang="en-US" sz="2000" dirty="0">
+                <a:latin typeface="LMRoman12-Regular"/>
+              </a:rPr>
+              <a:t>...</a:t>
+            </a:r>
+          </a:p>
+          <a:p>
+            <a:endParaRPr lang="en-US" sz="2400" b="1" dirty="0">
+              <a:solidFill>
+                <a:srgbClr val="C00000"/>
+              </a:solidFill>
+            </a:endParaRPr>
+          </a:p>
+          <a:p>
+            <a:endParaRPr lang="en-US" sz="2000" dirty="0">
+              <a:latin typeface="LMRoman12-Regular"/>
+            </a:endParaRPr>
+          </a:p>
+        </p:txBody>
+      </p:sp>
     </p:spTree>
     <p:extLst>
       <p:ext uri="{BB962C8B-B14F-4D97-AF65-F5344CB8AC3E}">
@@ -10159,10 +9636,10 @@
       </p:grpSpPr>
       <p:cxnSp>
         <p:nvCxnSpPr>
-          <p:cNvPr id="5" name="Straight Connector 4">
+          <p:cNvPr id="2" name="Straight Connector 1">
             <a:extLst>
               <a:ext uri="{FF2B5EF4-FFF2-40B4-BE49-F238E27FC236}">
-                <a16:creationId xmlns:a16="http://schemas.microsoft.com/office/drawing/2014/main" id="{9299C52E-EA63-47D1-BE17-F62085449878}"/>
+                <a16:creationId xmlns:a16="http://schemas.microsoft.com/office/drawing/2014/main" id="{24966871-885D-423E-92D2-C6E7CC07A2A5}"/>
               </a:ext>
             </a:extLst>
           </p:cNvPr>
@@ -10196,10 +9673,10 @@
       </p:cxnSp>
       <p:sp>
         <p:nvSpPr>
-          <p:cNvPr id="6" name="TextBox 5">
+          <p:cNvPr id="3" name="TextBox 2">
             <a:extLst>
               <a:ext uri="{FF2B5EF4-FFF2-40B4-BE49-F238E27FC236}">
-                <a16:creationId xmlns:a16="http://schemas.microsoft.com/office/drawing/2014/main" id="{8CB5AAF3-8AA1-489A-9A85-D8C87CD4C5CA}"/>
+                <a16:creationId xmlns:a16="http://schemas.microsoft.com/office/drawing/2014/main" id="{7E16A8D6-9144-403F-A2F8-B753CFB72EE5}"/>
               </a:ext>
             </a:extLst>
           </p:cNvPr>
@@ -10233,10 +9710,10 @@
       </p:sp>
       <p:sp>
         <p:nvSpPr>
-          <p:cNvPr id="7" name="Content Placeholder 2">
+          <p:cNvPr id="4" name="Content Placeholder 2">
             <a:extLst>
               <a:ext uri="{FF2B5EF4-FFF2-40B4-BE49-F238E27FC236}">
-                <a16:creationId xmlns:a16="http://schemas.microsoft.com/office/drawing/2014/main" id="{76A5FD85-7F88-4863-A058-7D0392C33A3E}"/>
+                <a16:creationId xmlns:a16="http://schemas.microsoft.com/office/drawing/2014/main" id="{907EBB44-2550-4527-99C9-372A883691BC}"/>
               </a:ext>
             </a:extLst>
           </p:cNvPr>
@@ -10247,15 +9724,15 @@
         </p:nvSpPr>
         <p:spPr>
           <a:xfrm>
-            <a:off x="464107" y="1178342"/>
-            <a:ext cx="8153419" cy="5086091"/>
+            <a:off x="628650" y="1097453"/>
+            <a:ext cx="7886700" cy="4351339"/>
           </a:xfrm>
           <a:prstGeom prst="rect">
             <a:avLst/>
           </a:prstGeom>
         </p:spPr>
         <p:txBody>
-          <a:bodyPr vert="horz" lIns="91440" tIns="45720" rIns="91440" bIns="45720" rtlCol="0" anchor="ctr">
+          <a:bodyPr vert="horz" lIns="91440" tIns="45720" rIns="91440" bIns="45720" rtlCol="0">
             <a:normAutofit/>
           </a:bodyPr>
           <a:lstStyle>
@@ -10425,29 +9902,19 @@
           <a:p>
             <a:pPr algn="just" fontAlgn="base">
               <a:lnSpc>
-                <a:spcPct val="150000"/>
+                <a:spcPct val="100000"/>
               </a:lnSpc>
             </a:pPr>
             <a:endParaRPr lang="en-US" sz="2000" dirty="0"/>
           </a:p>
-          <a:p>
-            <a:pPr marL="342891" indent="-342891" algn="just" fontAlgn="base">
-              <a:lnSpc>
-                <a:spcPct val="150000"/>
-              </a:lnSpc>
-              <a:buFont typeface="Wingdings" panose="05000000000000000000" pitchFamily="2" charset="2"/>
-              <a:buChar char="§"/>
-            </a:pPr>
-            <a:endParaRPr lang="en-US" sz="2000" dirty="0"/>
-          </a:p>
-        </p:txBody>
-      </p:sp>
-      <p:sp>
-        <p:nvSpPr>
-          <p:cNvPr id="11" name="Rectangle 10">
+        </p:txBody>
+      </p:sp>
+      <p:sp>
+        <p:nvSpPr>
+          <p:cNvPr id="5" name="Rectangle 4">
             <a:extLst>
               <a:ext uri="{FF2B5EF4-FFF2-40B4-BE49-F238E27FC236}">
-                <a16:creationId xmlns:a16="http://schemas.microsoft.com/office/drawing/2014/main" id="{4C09F2B9-11F3-42FB-BF40-0BA08B6761C5}"/>
+                <a16:creationId xmlns:a16="http://schemas.microsoft.com/office/drawing/2014/main" id="{E88DE937-29F6-41A1-8DD5-8A8297EF614A}"/>
               </a:ext>
             </a:extLst>
           </p:cNvPr>
@@ -10456,8 +9923,8 @@
         </p:nvSpPr>
         <p:spPr>
           <a:xfrm>
-            <a:off x="3875484" y="593567"/>
-            <a:ext cx="1433406" cy="584775"/>
+            <a:off x="3516110" y="593567"/>
+            <a:ext cx="1773242" cy="584775"/>
           </a:xfrm>
           <a:prstGeom prst="rect">
             <a:avLst/>
@@ -10483,7 +9950,101 @@
                 </a:effectLst>
                 <a:latin typeface="Trebuchet MS" panose="020B0603020202020204" pitchFamily="34" charset="0"/>
               </a:rPr>
-              <a:t>Object</a:t>
+              <a:t>Iterators</a:t>
+            </a:r>
+          </a:p>
+        </p:txBody>
+      </p:sp>
+      <p:sp>
+        <p:nvSpPr>
+          <p:cNvPr id="7" name="Rectangle 6">
+            <a:extLst>
+              <a:ext uri="{FF2B5EF4-FFF2-40B4-BE49-F238E27FC236}">
+                <a16:creationId xmlns:a16="http://schemas.microsoft.com/office/drawing/2014/main" id="{C9BA994E-C11C-459B-87C0-39AE45A28069}"/>
+              </a:ext>
+            </a:extLst>
+          </p:cNvPr>
+          <p:cNvSpPr/>
+          <p:nvPr/>
+        </p:nvSpPr>
+        <p:spPr>
+          <a:xfrm>
+            <a:off x="628650" y="1838392"/>
+            <a:ext cx="7886700" cy="2215991"/>
+          </a:xfrm>
+          <a:prstGeom prst="rect">
+            <a:avLst/>
+          </a:prstGeom>
+        </p:spPr>
+        <p:txBody>
+          <a:bodyPr wrap="square">
+            <a:spAutoFit/>
+          </a:bodyPr>
+          <a:lstStyle/>
+          <a:p>
+            <a:r>
+              <a:rPr lang="en-US" sz="2000" b="1" dirty="0">
+                <a:solidFill>
+                  <a:srgbClr val="C00000"/>
+                </a:solidFill>
+                <a:latin typeface="LMRoman12-Regular"/>
+              </a:rPr>
+              <a:t>Iterators : </a:t>
+            </a:r>
+            <a:r>
+              <a:rPr lang="en-US" sz="2000" dirty="0" err="1"/>
+              <a:t>Iterables</a:t>
+            </a:r>
+            <a:r>
+              <a:rPr lang="en-US" sz="2000" dirty="0"/>
+              <a:t> are objects that can return one of their elements at a time, such as a list. Many of the built-in functions we’ve used so far, like 'enumerate,' return an iterator.</a:t>
+            </a:r>
+          </a:p>
+          <a:p>
+            <a:endParaRPr lang="en-US" dirty="0"/>
+          </a:p>
+          <a:p>
+            <a:r>
+              <a:rPr lang="en-US" sz="2000" dirty="0">
+                <a:latin typeface="LMRoman12-Regular"/>
+              </a:rPr>
+              <a:t>An </a:t>
+            </a:r>
+            <a:r>
+              <a:rPr lang="en-US" sz="2000" b="1" dirty="0">
+                <a:latin typeface="LMRoman12-Regular"/>
+              </a:rPr>
+              <a:t>iterator</a:t>
+            </a:r>
+            <a:r>
+              <a:rPr lang="en-US" sz="2000" dirty="0">
+                <a:latin typeface="LMRoman12-Regular"/>
+              </a:rPr>
+              <a:t> is an object that represents a stream of data. This is different from a </a:t>
+            </a:r>
+            <a:r>
+              <a:rPr lang="en-US" sz="2000" b="1" dirty="0">
+                <a:latin typeface="LMRoman12-Regular"/>
+              </a:rPr>
+              <a:t>list</a:t>
+            </a:r>
+            <a:r>
+              <a:rPr lang="en-US" sz="2000" dirty="0">
+                <a:latin typeface="LMRoman12-Regular"/>
+              </a:rPr>
+              <a:t>, which is also an </a:t>
+            </a:r>
+            <a:r>
+              <a:rPr lang="en-US" sz="2000" dirty="0" err="1">
+                <a:latin typeface="LMRoman12-Regular"/>
+              </a:rPr>
+              <a:t>iterable</a:t>
+            </a:r>
+            <a:r>
+              <a:rPr lang="en-US" sz="2000" dirty="0">
+                <a:latin typeface="LMRoman12-Regular"/>
+              </a:rPr>
+              <a:t>, but is not an iterator because it is not a stream of data.</a:t>
             </a:r>
           </a:p>
         </p:txBody>
@@ -10491,7 +10052,7 @@
     </p:spTree>
     <p:extLst>
       <p:ext uri="{BB962C8B-B14F-4D97-AF65-F5344CB8AC3E}">
-        <p14:creationId xmlns:p14="http://schemas.microsoft.com/office/powerpoint/2010/main" val="3353008479"/>
+        <p14:creationId xmlns:p14="http://schemas.microsoft.com/office/powerpoint/2010/main" val="3519704698"/>
       </p:ext>
     </p:extLst>
   </p:cSld>

--- a/Course_Content/Class-3/Py-Workshop-3-.pptx
+++ b/Course_Content/Class-3/Py-Workshop-3-.pptx
@@ -207,7 +207,7 @@
           <a:p>
             <a:fld id="{EF809499-2DF9-44F9-B72F-F90B6DEBF4BD}" type="datetimeFigureOut">
               <a:rPr lang="en-US" smtClean="0"/>
-              <a:t>8/6/2019</a:t>
+              <a:t>8/26/2019</a:t>
             </a:fld>
             <a:endParaRPr lang="en-US"/>
           </a:p>
@@ -886,6 +886,15 @@
               <a:t> </a:t>
             </a:r>
           </a:p>
+          <a:p>
+            <a:r>
+              <a:rPr lang="en-US" dirty="0">
+                <a:hlinkClick r:id="rId3"/>
+              </a:rPr>
+              <a:t>https://docs.python.org/3/tutorial/errors.html</a:t>
+            </a:r>
+            <a:endParaRPr lang="en-US" dirty="0"/>
+          </a:p>
         </p:txBody>
       </p:sp>
       <p:sp>
@@ -1255,7 +1264,7 @@
           <a:p>
             <a:fld id="{CADC3B33-C7A6-400C-A955-5B352DDD6EAE}" type="datetimeFigureOut">
               <a:rPr lang="en-US" smtClean="0"/>
-              <a:t>8/6/2019</a:t>
+              <a:t>8/26/2019</a:t>
             </a:fld>
             <a:endParaRPr lang="en-US"/>
           </a:p>
@@ -1425,7 +1434,7 @@
           <a:p>
             <a:fld id="{CADC3B33-C7A6-400C-A955-5B352DDD6EAE}" type="datetimeFigureOut">
               <a:rPr lang="en-US" smtClean="0"/>
-              <a:t>8/6/2019</a:t>
+              <a:t>8/26/2019</a:t>
             </a:fld>
             <a:endParaRPr lang="en-US"/>
           </a:p>
@@ -1605,7 +1614,7 @@
           <a:p>
             <a:fld id="{CADC3B33-C7A6-400C-A955-5B352DDD6EAE}" type="datetimeFigureOut">
               <a:rPr lang="en-US" smtClean="0"/>
-              <a:t>8/6/2019</a:t>
+              <a:t>8/26/2019</a:t>
             </a:fld>
             <a:endParaRPr lang="en-US"/>
           </a:p>
@@ -1775,7 +1784,7 @@
           <a:p>
             <a:fld id="{CADC3B33-C7A6-400C-A955-5B352DDD6EAE}" type="datetimeFigureOut">
               <a:rPr lang="en-US" smtClean="0"/>
-              <a:t>8/6/2019</a:t>
+              <a:t>8/26/2019</a:t>
             </a:fld>
             <a:endParaRPr lang="en-US"/>
           </a:p>
@@ -2019,7 +2028,7 @@
           <a:p>
             <a:fld id="{CADC3B33-C7A6-400C-A955-5B352DDD6EAE}" type="datetimeFigureOut">
               <a:rPr lang="en-US" smtClean="0"/>
-              <a:t>8/6/2019</a:t>
+              <a:t>8/26/2019</a:t>
             </a:fld>
             <a:endParaRPr lang="en-US"/>
           </a:p>
@@ -2251,7 +2260,7 @@
           <a:p>
             <a:fld id="{CADC3B33-C7A6-400C-A955-5B352DDD6EAE}" type="datetimeFigureOut">
               <a:rPr lang="en-US" smtClean="0"/>
-              <a:t>8/6/2019</a:t>
+              <a:t>8/26/2019</a:t>
             </a:fld>
             <a:endParaRPr lang="en-US"/>
           </a:p>
@@ -2618,7 +2627,7 @@
           <a:p>
             <a:fld id="{CADC3B33-C7A6-400C-A955-5B352DDD6EAE}" type="datetimeFigureOut">
               <a:rPr lang="en-US" smtClean="0"/>
-              <a:t>8/6/2019</a:t>
+              <a:t>8/26/2019</a:t>
             </a:fld>
             <a:endParaRPr lang="en-US"/>
           </a:p>
@@ -2736,7 +2745,7 @@
           <a:p>
             <a:fld id="{CADC3B33-C7A6-400C-A955-5B352DDD6EAE}" type="datetimeFigureOut">
               <a:rPr lang="en-US" smtClean="0"/>
-              <a:t>8/6/2019</a:t>
+              <a:t>8/26/2019</a:t>
             </a:fld>
             <a:endParaRPr lang="en-US"/>
           </a:p>
@@ -2831,7 +2840,7 @@
           <a:p>
             <a:fld id="{CADC3B33-C7A6-400C-A955-5B352DDD6EAE}" type="datetimeFigureOut">
               <a:rPr lang="en-US" smtClean="0"/>
-              <a:t>8/6/2019</a:t>
+              <a:t>8/26/2019</a:t>
             </a:fld>
             <a:endParaRPr lang="en-US"/>
           </a:p>
@@ -3108,7 +3117,7 @@
           <a:p>
             <a:fld id="{CADC3B33-C7A6-400C-A955-5B352DDD6EAE}" type="datetimeFigureOut">
               <a:rPr lang="en-US" smtClean="0"/>
-              <a:t>8/6/2019</a:t>
+              <a:t>8/26/2019</a:t>
             </a:fld>
             <a:endParaRPr lang="en-US"/>
           </a:p>
@@ -3365,7 +3374,7 @@
           <a:p>
             <a:fld id="{CADC3B33-C7A6-400C-A955-5B352DDD6EAE}" type="datetimeFigureOut">
               <a:rPr lang="en-US" smtClean="0"/>
-              <a:t>8/6/2019</a:t>
+              <a:t>8/26/2019</a:t>
             </a:fld>
             <a:endParaRPr lang="en-US"/>
           </a:p>
@@ -3578,7 +3587,7 @@
           <a:p>
             <a:fld id="{CADC3B33-C7A6-400C-A955-5B352DDD6EAE}" type="datetimeFigureOut">
               <a:rPr lang="en-US" smtClean="0"/>
-              <a:t>8/6/2019</a:t>
+              <a:t>8/26/2019</a:t>
             </a:fld>
             <a:endParaRPr lang="en-US"/>
           </a:p>
@@ -7009,9 +7018,9 @@
               <a:buChar char="§"/>
             </a:pPr>
             <a:r>
-              <a:rPr lang="en-US" sz="1800" b="1" dirty="0">
-                <a:solidFill>
-                  <a:srgbClr val="C00000"/>
+              <a:rPr lang="en-US" sz="1800" dirty="0">
+                <a:solidFill>
+                  <a:srgbClr val="8B0000"/>
                 </a:solidFill>
                 <a:latin typeface="LMRoman12-Regular"/>
               </a:rPr>
@@ -7085,9 +7094,9 @@
               </a:lnSpc>
             </a:pPr>
             <a:r>
-              <a:rPr lang="en-US" sz="1800" b="1" u="sng" dirty="0">
-                <a:solidFill>
-                  <a:srgbClr val="C00000"/>
+              <a:rPr lang="en-US" sz="1800" u="sng" dirty="0">
+                <a:solidFill>
+                  <a:srgbClr val="8B0000"/>
                 </a:solidFill>
                 <a:latin typeface="LMRoman12-Regular"/>
               </a:rPr>
@@ -8486,7 +8495,7 @@
               <a:buChar char="§"/>
             </a:pPr>
             <a:r>
-              <a:rPr lang="en-US" b="1" dirty="0">
+              <a:rPr lang="en-US" dirty="0">
                 <a:solidFill>
                   <a:srgbClr val="8B0000"/>
                 </a:solidFill>
@@ -8564,7 +8573,7 @@
               <a:buChar char="§"/>
             </a:pPr>
             <a:r>
-              <a:rPr lang="en-US" b="1" dirty="0">
+              <a:rPr lang="en-US" dirty="0">
                 <a:solidFill>
                   <a:srgbClr val="8B0000"/>
                 </a:solidFill>
@@ -9529,9 +9538,9 @@
           <a:lstStyle/>
           <a:p>
             <a:r>
-              <a:rPr lang="en-US" sz="2000" b="1" dirty="0">
-                <a:solidFill>
-                  <a:srgbClr val="C00000"/>
+              <a:rPr lang="en-US" sz="2000" dirty="0">
+                <a:solidFill>
+                  <a:srgbClr val="8B0000"/>
                 </a:solidFill>
                 <a:latin typeface="LMRoman12-Regular"/>
               </a:rPr>
@@ -9557,9 +9566,9 @@
           </a:p>
           <a:p>
             <a:r>
-              <a:rPr lang="en-US" sz="2000" b="1" dirty="0">
-                <a:solidFill>
-                  <a:srgbClr val="C00000"/>
+              <a:rPr lang="en-US" sz="2000" dirty="0">
+                <a:solidFill>
+                  <a:srgbClr val="8B0000"/>
                 </a:solidFill>
                 <a:latin typeface="LMRoman12-Regular"/>
               </a:rPr>
